--- a/group 6.pptx
+++ b/group 6.pptx
@@ -344,7 +344,7 @@
           <a:p>
             <a:fld id="{981049E0-41CE-4406-9014-F31DF6015126}" type="datetimeFigureOut">
               <a:rPr lang="en-US" smtClean="0"/>
-              <a:t>9/16/2025</a:t>
+              <a:t>9/20/2025</a:t>
             </a:fld>
             <a:endParaRPr lang="en-US"/>
           </a:p>
@@ -552,7 +552,7 @@
           <a:p>
             <a:fld id="{981049E0-41CE-4406-9014-F31DF6015126}" type="datetimeFigureOut">
               <a:rPr lang="en-US" smtClean="0"/>
-              <a:t>9/16/2025</a:t>
+              <a:t>9/20/2025</a:t>
             </a:fld>
             <a:endParaRPr lang="en-US"/>
           </a:p>
@@ -808,7 +808,7 @@
           <a:p>
             <a:fld id="{981049E0-41CE-4406-9014-F31DF6015126}" type="datetimeFigureOut">
               <a:rPr lang="en-US" smtClean="0"/>
-              <a:t>9/16/2025</a:t>
+              <a:t>9/20/2025</a:t>
             </a:fld>
             <a:endParaRPr lang="en-US"/>
           </a:p>
@@ -982,7 +982,7 @@
           <a:p>
             <a:fld id="{981049E0-41CE-4406-9014-F31DF6015126}" type="datetimeFigureOut">
               <a:rPr lang="en-US" smtClean="0"/>
-              <a:t>9/16/2025</a:t>
+              <a:t>9/20/2025</a:t>
             </a:fld>
             <a:endParaRPr lang="en-US"/>
           </a:p>
@@ -1325,7 +1325,7 @@
           <a:p>
             <a:fld id="{981049E0-41CE-4406-9014-F31DF6015126}" type="datetimeFigureOut">
               <a:rPr lang="en-US" smtClean="0"/>
-              <a:t>9/16/2025</a:t>
+              <a:t>9/20/2025</a:t>
             </a:fld>
             <a:endParaRPr lang="en-US"/>
           </a:p>
@@ -1600,7 +1600,7 @@
           <a:p>
             <a:fld id="{981049E0-41CE-4406-9014-F31DF6015126}" type="datetimeFigureOut">
               <a:rPr lang="en-US" smtClean="0"/>
-              <a:t>9/16/2025</a:t>
+              <a:t>9/20/2025</a:t>
             </a:fld>
             <a:endParaRPr lang="en-US"/>
           </a:p>
@@ -1979,7 +1979,7 @@
           <a:p>
             <a:fld id="{981049E0-41CE-4406-9014-F31DF6015126}" type="datetimeFigureOut">
               <a:rPr lang="en-US" smtClean="0"/>
-              <a:t>9/16/2025</a:t>
+              <a:t>9/20/2025</a:t>
             </a:fld>
             <a:endParaRPr lang="en-US"/>
           </a:p>
@@ -2097,7 +2097,7 @@
           <a:p>
             <a:fld id="{981049E0-41CE-4406-9014-F31DF6015126}" type="datetimeFigureOut">
               <a:rPr lang="en-US" smtClean="0"/>
-              <a:t>9/16/2025</a:t>
+              <a:t>9/20/2025</a:t>
             </a:fld>
             <a:endParaRPr lang="en-US"/>
           </a:p>
@@ -2268,7 +2268,7 @@
           <a:p>
             <a:fld id="{981049E0-41CE-4406-9014-F31DF6015126}" type="datetimeFigureOut">
               <a:rPr lang="en-US" smtClean="0"/>
-              <a:t>9/16/2025</a:t>
+              <a:t>9/20/2025</a:t>
             </a:fld>
             <a:endParaRPr lang="en-US"/>
           </a:p>
@@ -2622,7 +2622,7 @@
           <a:p>
             <a:fld id="{981049E0-41CE-4406-9014-F31DF6015126}" type="datetimeFigureOut">
               <a:rPr lang="en-US" smtClean="0"/>
-              <a:t>9/16/2025</a:t>
+              <a:t>9/20/2025</a:t>
             </a:fld>
             <a:endParaRPr lang="en-US"/>
           </a:p>
@@ -3004,7 +3004,7 @@
           <a:p>
             <a:fld id="{981049E0-41CE-4406-9014-F31DF6015126}" type="datetimeFigureOut">
               <a:rPr lang="en-US" smtClean="0"/>
-              <a:t>9/16/2025</a:t>
+              <a:t>9/20/2025</a:t>
             </a:fld>
             <a:endParaRPr lang="en-US"/>
           </a:p>
@@ -3291,7 +3291,7 @@
           <a:p>
             <a:fld id="{981049E0-41CE-4406-9014-F31DF6015126}" type="datetimeFigureOut">
               <a:rPr lang="en-US" smtClean="0"/>
-              <a:t>9/16/2025</a:t>
+              <a:t>9/20/2025</a:t>
             </a:fld>
             <a:endParaRPr lang="en-US"/>
           </a:p>
@@ -3878,8 +3878,13 @@
           <a:p>
             <a:r>
               <a:rPr lang="en-US" sz="4000" dirty="0" smtClean="0"/>
-              <a:t>Accurate Temperature Predictions for Agriculture, Energy, and Disaster Preparedness</a:t>
-            </a:r>
+              <a:t>Accurate Temperature Predictions for Agriculture, Energy, and Disaster </a:t>
+            </a:r>
+            <a:r>
+              <a:rPr lang="en-US" sz="4000" dirty="0" smtClean="0"/>
+              <a:t>Preparedness BY GROUP 6</a:t>
+            </a:r>
+            <a:endParaRPr lang="en-US" sz="4000" dirty="0" smtClean="0"/>
           </a:p>
         </p:txBody>
       </p:sp>
@@ -4639,7 +4644,7 @@
             <p:ph sz="half" idx="1"/>
             <p:extLst>
               <p:ext uri="{D42A27DB-BD31-4B8C-83A1-F6EECF244321}">
-                <p14:modId xmlns:p14="http://schemas.microsoft.com/office/powerpoint/2010/main" val="1150711042"/>
+                <p14:modId xmlns:p14="http://schemas.microsoft.com/office/powerpoint/2010/main" val="2378473120"/>
               </p:ext>
             </p:extLst>
           </p:nvPr>
@@ -4809,9 +4814,10 @@
                     <a:lstStyle/>
                     <a:p>
                       <a:r>
-                        <a:rPr lang="en-US"/>
-                        <a:t>0.420</a:t>
+                        <a:rPr lang="en-US" dirty="0" smtClean="0"/>
+                        <a:t>0.419</a:t>
                       </a:r>
+                      <a:endParaRPr lang="en-US" dirty="0"/>
                     </a:p>
                   </a:txBody>
                   <a:tcPr anchor="ctr"/>
@@ -4855,9 +4861,10 @@
                     <a:lstStyle/>
                     <a:p>
                       <a:r>
-                        <a:rPr lang="en-US"/>
-                        <a:t>0.140</a:t>
+                        <a:rPr lang="en-US" dirty="0" smtClean="0"/>
+                        <a:t>0.139</a:t>
                       </a:r>
+                      <a:endParaRPr lang="en-US" dirty="0"/>
                     </a:p>
                   </a:txBody>
                   <a:tcPr anchor="ctr"/>
@@ -5220,7 +5227,7 @@
           <a:p>
             <a:r>
               <a:rPr lang="en-US" dirty="0" smtClean="0"/>
-              <a:t>GROUP SIX(6) MEMBERS</a:t>
+              <a:t>PROJECT SUMMARY</a:t>
             </a:r>
             <a:endParaRPr lang="en-US" dirty="0"/>
           </a:p>
@@ -5238,83 +5245,212 @@
         </p:nvSpPr>
         <p:spPr/>
         <p:txBody>
-          <a:bodyPr/>
-          <a:lstStyle/>
-          <a:p>
-            <a:pPr marL="0" indent="0">
-              <a:buNone/>
+          <a:bodyPr>
+            <a:normAutofit lnSpcReduction="10000"/>
+          </a:bodyPr>
+          <a:lstStyle/>
+          <a:p>
+            <a:r>
+              <a:rPr lang="en-US" sz="1600" i="1" dirty="0" smtClean="0"/>
+              <a:t>The </a:t>
+            </a:r>
+            <a:r>
+              <a:rPr lang="en-US" sz="1600" i="1" dirty="0"/>
+              <a:t>dataset available at </a:t>
+            </a:r>
+            <a:r>
+              <a:rPr lang="en-US" sz="1600" i="1" dirty="0">
+                <a:hlinkClick r:id="rId2"/>
+              </a:rPr>
+              <a:t>https://</a:t>
+            </a:r>
+            <a:r>
+              <a:rPr lang="en-US" sz="1600" i="1" dirty="0" smtClean="0">
+                <a:hlinkClick r:id="rId2"/>
+              </a:rPr>
+              <a:t>dataverse.harvard.edu/dataset.xhtml?persistentId=doi:10.7910/DVN/UTVRUD</a:t>
+            </a:r>
+            <a:endParaRPr lang="en-US" sz="1600" i="1" dirty="0" smtClean="0"/>
+          </a:p>
+          <a:p>
+            <a:pPr marL="457200" indent="-457200">
+              <a:buFont typeface="+mj-lt"/>
+              <a:buAutoNum type="arabicPeriod"/>
             </a:pPr>
             <a:r>
+              <a:rPr lang="en-US" dirty="0" smtClean="0"/>
+              <a:t>Project title</a:t>
+            </a:r>
+          </a:p>
+          <a:p>
+            <a:pPr marL="457200" indent="-457200">
+              <a:buFont typeface="+mj-lt"/>
+              <a:buAutoNum type="arabicPeriod"/>
+            </a:pPr>
+            <a:r>
+              <a:rPr lang="en-US" dirty="0" smtClean="0"/>
+              <a:t>Problem statement and justification</a:t>
+            </a:r>
+          </a:p>
+          <a:p>
+            <a:pPr marL="457200" indent="-457200">
+              <a:buFont typeface="+mj-lt"/>
+              <a:buAutoNum type="arabicPeriod"/>
+            </a:pPr>
+            <a:r>
+              <a:rPr lang="en-US" dirty="0" smtClean="0"/>
+              <a:t>Data description and derived features</a:t>
+            </a:r>
+          </a:p>
+          <a:p>
+            <a:pPr marL="457200" indent="-457200">
+              <a:buFont typeface="+mj-lt"/>
+              <a:buAutoNum type="arabicPeriod"/>
+            </a:pPr>
+            <a:r>
+              <a:rPr lang="en-US" dirty="0" smtClean="0"/>
+              <a:t>Data cleaning</a:t>
+            </a:r>
+          </a:p>
+          <a:p>
+            <a:pPr marL="457200" indent="-457200">
+              <a:buFont typeface="+mj-lt"/>
+              <a:buAutoNum type="arabicPeriod"/>
+            </a:pPr>
+            <a:r>
+              <a:rPr lang="en-US" dirty="0" smtClean="0"/>
+              <a:t>Data exploration and visualization (statistics, univariate, bivariate and  multivariate analysis)</a:t>
+            </a:r>
+          </a:p>
+          <a:p>
+            <a:pPr marL="457200" indent="-457200">
+              <a:buFont typeface="+mj-lt"/>
+              <a:buAutoNum type="arabicPeriod"/>
+            </a:pPr>
+            <a:r>
+              <a:rPr lang="en-US" dirty="0"/>
+              <a:t>Modeling and evaluation</a:t>
+            </a:r>
+          </a:p>
+          <a:p>
+            <a:endParaRPr lang="en-US" dirty="0"/>
+          </a:p>
+        </p:txBody>
+      </p:sp>
+      <p:sp>
+        <p:nvSpPr>
+          <p:cNvPr id="4" name="Content Placeholder 3"/>
+          <p:cNvSpPr>
+            <a:spLocks noGrp="1"/>
+          </p:cNvSpPr>
+          <p:nvPr>
+            <p:ph sz="half" idx="2"/>
+          </p:nvPr>
+        </p:nvSpPr>
+        <p:spPr/>
+        <p:txBody>
+          <a:bodyPr>
+            <a:normAutofit lnSpcReduction="10000"/>
+          </a:bodyPr>
+          <a:lstStyle/>
+          <a:p>
+            <a:pPr>
+              <a:buFont typeface="Wingdings" panose="05000000000000000000" pitchFamily="2" charset="2"/>
+              <a:buChar char="Ø"/>
+            </a:pPr>
+            <a:r>
+              <a:rPr lang="en-US" dirty="0" smtClean="0"/>
+              <a:t>Models used are random forest Regressor and  long short term memory and their metrics (LSTM)</a:t>
+            </a:r>
+          </a:p>
+          <a:p>
+            <a:pPr>
+              <a:buFont typeface="Wingdings" panose="05000000000000000000" pitchFamily="2" charset="2"/>
+              <a:buChar char="Ø"/>
+            </a:pPr>
+            <a:r>
+              <a:rPr lang="en-US" dirty="0" smtClean="0"/>
+              <a:t>Feature importance graph for random forest</a:t>
+            </a:r>
+          </a:p>
+          <a:p>
+            <a:pPr>
+              <a:buFont typeface="Wingdings" panose="05000000000000000000" pitchFamily="2" charset="2"/>
+              <a:buChar char="Ø"/>
+            </a:pPr>
+            <a:r>
+              <a:rPr lang="en-US" dirty="0" smtClean="0"/>
+              <a:t>Temperature actual vs predicted graph</a:t>
+            </a:r>
+          </a:p>
+          <a:p>
+            <a:pPr>
+              <a:buFont typeface="Wingdings" panose="05000000000000000000" pitchFamily="2" charset="2"/>
+              <a:buChar char="Ø"/>
+            </a:pPr>
+            <a:r>
+              <a:rPr lang="en-US" dirty="0" smtClean="0"/>
+              <a:t>Prediction error &amp; anomaly detection graph</a:t>
+            </a:r>
+          </a:p>
+          <a:p>
+            <a:pPr>
+              <a:buFont typeface="Wingdings" panose="05000000000000000000" pitchFamily="2" charset="2"/>
+              <a:buChar char="Ø"/>
+            </a:pPr>
+            <a:r>
+              <a:rPr lang="en-US" dirty="0" smtClean="0"/>
+              <a:t>Residual error distribution graph</a:t>
+            </a:r>
+          </a:p>
+          <a:p>
+            <a:pPr>
+              <a:buFont typeface="Wingdings" panose="05000000000000000000" pitchFamily="2" charset="2"/>
+              <a:buChar char="Ø"/>
+            </a:pPr>
+            <a:r>
+              <a:rPr lang="en-US" dirty="0" smtClean="0"/>
+              <a:t>Metrics overview (</a:t>
+            </a:r>
+            <a:r>
               <a:rPr lang="en-US" b="1" dirty="0" smtClean="0"/>
-              <a:t>ACTIVE MEMBERS IN PROJECT</a:t>
-            </a:r>
-          </a:p>
-          <a:p>
+              <a:t>MSE,MAE,RMSE</a:t>
+            </a:r>
             <a:r>
               <a:rPr lang="en-US" dirty="0" smtClean="0"/>
-              <a:t>Birungi Joan</a:t>
-            </a:r>
-          </a:p>
-          <a:p>
+              <a:t>,</a:t>
+            </a:r>
+            <a:r>
+              <a:rPr lang="en-US" b="1" dirty="0"/>
+              <a:t> R²</a:t>
+            </a:r>
             <a:r>
               <a:rPr lang="en-US" dirty="0" smtClean="0"/>
-              <a:t>Tuhaise praise</a:t>
-            </a:r>
-          </a:p>
-          <a:p>
+              <a:t>)</a:t>
+            </a:r>
+          </a:p>
+          <a:p>
+            <a:pPr>
+              <a:buFont typeface="Wingdings" panose="05000000000000000000" pitchFamily="2" charset="2"/>
+              <a:buChar char="Ø"/>
+            </a:pPr>
             <a:r>
               <a:rPr lang="en-US" dirty="0" smtClean="0"/>
-              <a:t>Nyeko Samuel</a:t>
-            </a:r>
-          </a:p>
-          <a:p>
+              <a:t>Recommendations</a:t>
+            </a:r>
+          </a:p>
+          <a:p>
+            <a:pPr>
+              <a:buFont typeface="Wingdings" panose="05000000000000000000" pitchFamily="2" charset="2"/>
+              <a:buChar char="Ø"/>
+            </a:pPr>
             <a:r>
               <a:rPr lang="en-US" dirty="0" smtClean="0"/>
-              <a:t>Darius Twesigomwe</a:t>
+              <a:t>future  work</a:t>
             </a:r>
           </a:p>
           <a:p>
             <a:endParaRPr lang="en-US" dirty="0" smtClean="0"/>
-          </a:p>
-          <a:p>
-            <a:endParaRPr lang="en-US" dirty="0"/>
-          </a:p>
-        </p:txBody>
-      </p:sp>
-      <p:sp>
-        <p:nvSpPr>
-          <p:cNvPr id="4" name="Content Placeholder 3"/>
-          <p:cNvSpPr>
-            <a:spLocks noGrp="1"/>
-          </p:cNvSpPr>
-          <p:nvPr>
-            <p:ph sz="half" idx="2"/>
-          </p:nvPr>
-        </p:nvSpPr>
-        <p:spPr/>
-        <p:txBody>
-          <a:bodyPr/>
-          <a:lstStyle/>
-          <a:p>
-            <a:r>
-              <a:rPr lang="en-US" b="1" dirty="0" smtClean="0"/>
-              <a:t>NON ACTIVE MEMBERS IN PROJECT</a:t>
-            </a:r>
-          </a:p>
-          <a:p>
-            <a:endParaRPr lang="en-US" dirty="0" smtClean="0"/>
-          </a:p>
-          <a:p>
-            <a:r>
-              <a:rPr lang="en-US" dirty="0" smtClean="0"/>
-              <a:t>MUGIDE HAWA</a:t>
-            </a:r>
-          </a:p>
-          <a:p>
-            <a:r>
-              <a:rPr lang="en-US" dirty="0" smtClean="0"/>
-              <a:t> Tumusiime Dennis </a:t>
-            </a:r>
           </a:p>
           <a:p>
             <a:endParaRPr lang="en-US" dirty="0"/>
